--- a/GPS.pptx
+++ b/GPS.pptx
@@ -245,7 +245,7 @@
           <a:p>
             <a:fld id="{1DD0BCF0-68F0-4F08-A0DE-34A7B09CDD8A}" type="datetime1">
               <a:rPr lang="es-ES" smtClean="0"/>
-              <a:t>29/11/2022</a:t>
+              <a:t>02/12/2022</a:t>
             </a:fld>
             <a:endParaRPr lang="es-ES" dirty="0"/>
           </a:p>
@@ -425,7 +425,7 @@
             <a:fld id="{C3A8D6EB-2321-4D52-AF70-FA1A2FACF03F}" type="datetime1">
               <a:rPr lang="es-ES" smtClean="0"/>
               <a:pPr/>
-              <a:t>29/11/2022</a:t>
+              <a:t>02/12/2022</a:t>
             </a:fld>
             <a:endParaRPr lang="es-ES" dirty="0"/>
           </a:p>
@@ -12111,19 +12111,16 @@
                   <a:schemeClr val="bg1"/>
                 </a:solidFill>
               </a:rPr>
-              <a:t>Tema tres</a:t>
+              <a:t>Un vistazo a la app</a:t>
             </a:r>
           </a:p>
           <a:p>
             <a:pPr algn="r" rtl="0"/>
-            <a:r>
-              <a:rPr lang="es-ES" sz="1800" dirty="0">
-                <a:solidFill>
-                  <a:schemeClr val="bg1"/>
-                </a:solidFill>
-              </a:rPr>
-              <a:t>Tema cuatro</a:t>
-            </a:r>
+            <a:endParaRPr lang="es-ES" sz="1800" dirty="0">
+              <a:solidFill>
+                <a:schemeClr val="bg1"/>
+              </a:solidFill>
+            </a:endParaRPr>
           </a:p>
         </p:txBody>
       </p:sp>
@@ -12296,7 +12293,50 @@
           <a:bodyPr rtlCol="0"/>
           <a:lstStyle/>
           <a:p>
-            <a:pPr rtl="0"/>
+            <a:pPr marL="342900" indent="-342900" rtl="0">
+              <a:buFont typeface="Arial" panose="020B0604020202020204" pitchFamily="34" charset="0"/>
+              <a:buChar char="•"/>
+            </a:pPr>
+            <a:r>
+              <a:rPr lang="es-ES" dirty="0"/>
+              <a:t>GNSS</a:t>
+            </a:r>
+          </a:p>
+          <a:p>
+            <a:pPr marL="342900" indent="-342900" rtl="0">
+              <a:buFont typeface="Arial" panose="020B0604020202020204" pitchFamily="34" charset="0"/>
+              <a:buChar char="•"/>
+            </a:pPr>
+            <a:r>
+              <a:rPr lang="es-ES" dirty="0"/>
+              <a:t>Sistema de Posicionamiento Global</a:t>
+            </a:r>
+          </a:p>
+          <a:p>
+            <a:pPr marL="342900" indent="-342900" rtl="0">
+              <a:buFont typeface="Arial" panose="020B0604020202020204" pitchFamily="34" charset="0"/>
+              <a:buChar char="•"/>
+            </a:pPr>
+            <a:r>
+              <a:rPr lang="es-ES" dirty="0"/>
+              <a:t>Trilateración</a:t>
+            </a:r>
+          </a:p>
+          <a:p>
+            <a:pPr marL="342900" indent="-342900" rtl="0">
+              <a:buFont typeface="Arial" panose="020B0604020202020204" pitchFamily="34" charset="0"/>
+              <a:buChar char="•"/>
+            </a:pPr>
+            <a:r>
+              <a:rPr lang="es-ES" dirty="0"/>
+              <a:t>Obtener posición </a:t>
+            </a:r>
+          </a:p>
+          <a:p>
+            <a:pPr marL="342900" indent="-342900" rtl="0">
+              <a:buFont typeface="Arial" panose="020B0604020202020204" pitchFamily="34" charset="0"/>
+              <a:buChar char="•"/>
+            </a:pPr>
             <a:endParaRPr lang="es-ES" dirty="0"/>
           </a:p>
         </p:txBody>
